--- a/Data Science/DS-Day-05 R.pptx
+++ b/Data Science/DS-Day-05 R.pptx
@@ -5,16 +5,14 @@
     <p:sldMasterId id="2147483781" r:id="rId1"/>
   </p:sldMasterIdLst>
   <p:notesMasterIdLst>
-    <p:notesMasterId r:id="rId9"/>
+    <p:notesMasterId r:id="rId7"/>
   </p:notesMasterIdLst>
   <p:sldIdLst>
     <p:sldId id="275" r:id="rId2"/>
     <p:sldId id="276" r:id="rId3"/>
     <p:sldId id="279" r:id="rId4"/>
     <p:sldId id="280" r:id="rId5"/>
-    <p:sldId id="277" r:id="rId6"/>
-    <p:sldId id="278" r:id="rId7"/>
-    <p:sldId id="281" r:id="rId8"/>
+    <p:sldId id="281" r:id="rId6"/>
   </p:sldIdLst>
   <p:sldSz cx="9144000" cy="6858000" type="screen4x3"/>
   <p:notesSz cx="6858000" cy="9144000"/>
@@ -113,6 +111,11 @@
       </a:defRPr>
     </a:lvl9pPr>
   </p:defaultTextStyle>
+  <p:extLst>
+    <p:ext uri="{EFAFB233-063F-42B5-8137-9DF3F51BA10A}">
+      <p15:sldGuideLst xmlns:p15="http://schemas.microsoft.com/office/powerpoint/2012/main"/>
+    </p:ext>
+  </p:extLst>
 </p:presentation>
 </file>
 
@@ -198,7 +201,7 @@
           <a:p>
             <a:fld id="{22783AA6-C1EF-448D-A48A-EF30DCBEFCCC}" type="datetimeFigureOut">
               <a:rPr lang="en-US" smtClean="0"/>
-              <a:t>3/16/2018</a:t>
+              <a:t>3/17/2018</a:t>
             </a:fld>
             <a:endParaRPr lang="en-US"/>
           </a:p>
@@ -966,210 +969,6 @@
     </p:spTree>
     <p:extLst>
       <p:ext uri="{BB962C8B-B14F-4D97-AF65-F5344CB8AC3E}">
-        <p14:creationId xmlns:p14="http://schemas.microsoft.com/office/powerpoint/2010/main" val="229772804"/>
-      </p:ext>
-    </p:extLst>
-  </p:cSld>
-  <p:clrMapOvr>
-    <a:masterClrMapping/>
-  </p:clrMapOvr>
-</p:notes>
-</file>
-
-<file path=ppt/notesSlides/notesSlide6.xml><?xml version="1.0" encoding="utf-8"?>
-<p:notes xmlns:a="http://schemas.openxmlformats.org/drawingml/2006/main" xmlns:r="http://schemas.openxmlformats.org/officeDocument/2006/relationships" xmlns:p="http://schemas.openxmlformats.org/presentationml/2006/main">
-  <p:cSld>
-    <p:spTree>
-      <p:nvGrpSpPr>
-        <p:cNvPr id="1" name=""/>
-        <p:cNvGrpSpPr/>
-        <p:nvPr/>
-      </p:nvGrpSpPr>
-      <p:grpSpPr>
-        <a:xfrm>
-          <a:off x="0" y="0"/>
-          <a:ext cx="0" cy="0"/>
-          <a:chOff x="0" y="0"/>
-          <a:chExt cx="0" cy="0"/>
-        </a:xfrm>
-      </p:grpSpPr>
-      <p:sp>
-        <p:nvSpPr>
-          <p:cNvPr id="2" name="Образ слайда 1"/>
-          <p:cNvSpPr>
-            <a:spLocks noGrp="1" noRot="1" noChangeAspect="1"/>
-          </p:cNvSpPr>
-          <p:nvPr>
-            <p:ph type="sldImg"/>
-          </p:nvPr>
-        </p:nvSpPr>
-        <p:spPr>
-          <a:xfrm>
-            <a:off x="896938" y="746125"/>
-            <a:ext cx="4967287" cy="3727450"/>
-          </a:xfrm>
-        </p:spPr>
-      </p:sp>
-      <p:sp>
-        <p:nvSpPr>
-          <p:cNvPr id="3" name="Заметки 2"/>
-          <p:cNvSpPr>
-            <a:spLocks noGrp="1"/>
-          </p:cNvSpPr>
-          <p:nvPr>
-            <p:ph type="body" idx="1"/>
-          </p:nvPr>
-        </p:nvSpPr>
-        <p:spPr/>
-        <p:txBody>
-          <a:bodyPr>
-            <a:normAutofit/>
-          </a:bodyPr>
-          <a:lstStyle/>
-          <a:p>
-            <a:endParaRPr lang="ru-RU" sz="1400" dirty="0">
-              <a:latin typeface="+mn-lt"/>
-            </a:endParaRPr>
-          </a:p>
-        </p:txBody>
-      </p:sp>
-      <p:sp>
-        <p:nvSpPr>
-          <p:cNvPr id="4" name="Номер слайда 3"/>
-          <p:cNvSpPr>
-            <a:spLocks noGrp="1"/>
-          </p:cNvSpPr>
-          <p:nvPr>
-            <p:ph type="sldNum" sz="quarter" idx="10"/>
-          </p:nvPr>
-        </p:nvSpPr>
-        <p:spPr/>
-        <p:txBody>
-          <a:bodyPr/>
-          <a:lstStyle/>
-          <a:p>
-            <a:fld id="{A868C670-7DD8-483E-B635-2FC3EA348D84}" type="slidenum">
-              <a:rPr lang="ru-RU" smtClean="0">
-                <a:solidFill>
-                  <a:prstClr val="black"/>
-                </a:solidFill>
-              </a:rPr>
-              <a:pPr/>
-              <a:t>6</a:t>
-            </a:fld>
-            <a:endParaRPr lang="ru-RU">
-              <a:solidFill>
-                <a:prstClr val="black"/>
-              </a:solidFill>
-            </a:endParaRPr>
-          </a:p>
-        </p:txBody>
-      </p:sp>
-    </p:spTree>
-    <p:extLst>
-      <p:ext uri="{BB962C8B-B14F-4D97-AF65-F5344CB8AC3E}">
-        <p14:creationId xmlns:p14="http://schemas.microsoft.com/office/powerpoint/2010/main" val="1284720014"/>
-      </p:ext>
-    </p:extLst>
-  </p:cSld>
-  <p:clrMapOvr>
-    <a:masterClrMapping/>
-  </p:clrMapOvr>
-</p:notes>
-</file>
-
-<file path=ppt/notesSlides/notesSlide7.xml><?xml version="1.0" encoding="utf-8"?>
-<p:notes xmlns:a="http://schemas.openxmlformats.org/drawingml/2006/main" xmlns:r="http://schemas.openxmlformats.org/officeDocument/2006/relationships" xmlns:p="http://schemas.openxmlformats.org/presentationml/2006/main">
-  <p:cSld>
-    <p:spTree>
-      <p:nvGrpSpPr>
-        <p:cNvPr id="1" name=""/>
-        <p:cNvGrpSpPr/>
-        <p:nvPr/>
-      </p:nvGrpSpPr>
-      <p:grpSpPr>
-        <a:xfrm>
-          <a:off x="0" y="0"/>
-          <a:ext cx="0" cy="0"/>
-          <a:chOff x="0" y="0"/>
-          <a:chExt cx="0" cy="0"/>
-        </a:xfrm>
-      </p:grpSpPr>
-      <p:sp>
-        <p:nvSpPr>
-          <p:cNvPr id="2" name="Образ слайда 1"/>
-          <p:cNvSpPr>
-            <a:spLocks noGrp="1" noRot="1" noChangeAspect="1"/>
-          </p:cNvSpPr>
-          <p:nvPr>
-            <p:ph type="sldImg"/>
-          </p:nvPr>
-        </p:nvSpPr>
-        <p:spPr>
-          <a:xfrm>
-            <a:off x="896938" y="746125"/>
-            <a:ext cx="4967287" cy="3727450"/>
-          </a:xfrm>
-        </p:spPr>
-      </p:sp>
-      <p:sp>
-        <p:nvSpPr>
-          <p:cNvPr id="3" name="Заметки 2"/>
-          <p:cNvSpPr>
-            <a:spLocks noGrp="1"/>
-          </p:cNvSpPr>
-          <p:nvPr>
-            <p:ph type="body" idx="1"/>
-          </p:nvPr>
-        </p:nvSpPr>
-        <p:spPr/>
-        <p:txBody>
-          <a:bodyPr>
-            <a:normAutofit/>
-          </a:bodyPr>
-          <a:lstStyle/>
-          <a:p>
-            <a:endParaRPr lang="ru-RU" sz="1400" dirty="0">
-              <a:latin typeface="+mn-lt"/>
-            </a:endParaRPr>
-          </a:p>
-        </p:txBody>
-      </p:sp>
-      <p:sp>
-        <p:nvSpPr>
-          <p:cNvPr id="4" name="Номер слайда 3"/>
-          <p:cNvSpPr>
-            <a:spLocks noGrp="1"/>
-          </p:cNvSpPr>
-          <p:nvPr>
-            <p:ph type="sldNum" sz="quarter" idx="10"/>
-          </p:nvPr>
-        </p:nvSpPr>
-        <p:spPr/>
-        <p:txBody>
-          <a:bodyPr/>
-          <a:lstStyle/>
-          <a:p>
-            <a:fld id="{A868C670-7DD8-483E-B635-2FC3EA348D84}" type="slidenum">
-              <a:rPr lang="ru-RU" smtClean="0">
-                <a:solidFill>
-                  <a:prstClr val="black"/>
-                </a:solidFill>
-              </a:rPr>
-              <a:pPr/>
-              <a:t>7</a:t>
-            </a:fld>
-            <a:endParaRPr lang="ru-RU">
-              <a:solidFill>
-                <a:prstClr val="black"/>
-              </a:solidFill>
-            </a:endParaRPr>
-          </a:p>
-        </p:txBody>
-      </p:sp>
-    </p:spTree>
-    <p:extLst>
-      <p:ext uri="{BB962C8B-B14F-4D97-AF65-F5344CB8AC3E}">
         <p14:creationId xmlns:p14="http://schemas.microsoft.com/office/powerpoint/2010/main" val="4152129035"/>
       </p:ext>
     </p:extLst>
@@ -1322,7 +1121,7 @@
           <a:p>
             <a:fld id="{C14F4D0B-68E4-4C14-BD4D-319F9BD213A3}" type="datetimeFigureOut">
               <a:rPr lang="ru-RU" smtClean="0"/>
-              <a:t>16.03.2018</a:t>
+              <a:t>17.03.2018</a:t>
             </a:fld>
             <a:endParaRPr lang="ru-RU"/>
           </a:p>
@@ -1492,7 +1291,7 @@
           <a:p>
             <a:fld id="{C14F4D0B-68E4-4C14-BD4D-319F9BD213A3}" type="datetimeFigureOut">
               <a:rPr lang="ru-RU" smtClean="0"/>
-              <a:t>16.03.2018</a:t>
+              <a:t>17.03.2018</a:t>
             </a:fld>
             <a:endParaRPr lang="ru-RU"/>
           </a:p>
@@ -1672,7 +1471,7 @@
           <a:p>
             <a:fld id="{C14F4D0B-68E4-4C14-BD4D-319F9BD213A3}" type="datetimeFigureOut">
               <a:rPr lang="ru-RU" smtClean="0"/>
-              <a:t>16.03.2018</a:t>
+              <a:t>17.03.2018</a:t>
             </a:fld>
             <a:endParaRPr lang="ru-RU"/>
           </a:p>
@@ -1842,7 +1641,7 @@
           <a:p>
             <a:fld id="{C14F4D0B-68E4-4C14-BD4D-319F9BD213A3}" type="datetimeFigureOut">
               <a:rPr lang="ru-RU" smtClean="0"/>
-              <a:t>16.03.2018</a:t>
+              <a:t>17.03.2018</a:t>
             </a:fld>
             <a:endParaRPr lang="ru-RU"/>
           </a:p>
@@ -2093,7 +1892,7 @@
           <a:p>
             <a:fld id="{C14F4D0B-68E4-4C14-BD4D-319F9BD213A3}" type="datetimeFigureOut">
               <a:rPr lang="ru-RU" smtClean="0"/>
-              <a:t>16.03.2018</a:t>
+              <a:t>17.03.2018</a:t>
             </a:fld>
             <a:endParaRPr lang="ru-RU"/>
           </a:p>
@@ -2325,7 +2124,7 @@
           <a:p>
             <a:fld id="{C14F4D0B-68E4-4C14-BD4D-319F9BD213A3}" type="datetimeFigureOut">
               <a:rPr lang="ru-RU" smtClean="0"/>
-              <a:t>16.03.2018</a:t>
+              <a:t>17.03.2018</a:t>
             </a:fld>
             <a:endParaRPr lang="ru-RU"/>
           </a:p>
@@ -2672,7 +2471,7 @@
           <a:p>
             <a:fld id="{C14F4D0B-68E4-4C14-BD4D-319F9BD213A3}" type="datetimeFigureOut">
               <a:rPr lang="ru-RU" smtClean="0"/>
-              <a:t>16.03.2018</a:t>
+              <a:t>17.03.2018</a:t>
             </a:fld>
             <a:endParaRPr lang="ru-RU"/>
           </a:p>
@@ -2790,7 +2589,7 @@
           <a:p>
             <a:fld id="{C14F4D0B-68E4-4C14-BD4D-319F9BD213A3}" type="datetimeFigureOut">
               <a:rPr lang="ru-RU" smtClean="0"/>
-              <a:t>16.03.2018</a:t>
+              <a:t>17.03.2018</a:t>
             </a:fld>
             <a:endParaRPr lang="ru-RU"/>
           </a:p>
@@ -2908,7 +2707,7 @@
           <a:p>
             <a:fld id="{C14F4D0B-68E4-4C14-BD4D-319F9BD213A3}" type="datetimeFigureOut">
               <a:rPr lang="ru-RU" smtClean="0"/>
-              <a:t>16.03.2018</a:t>
+              <a:t>17.03.2018</a:t>
             </a:fld>
             <a:endParaRPr lang="ru-RU"/>
           </a:p>
@@ -3192,7 +2991,7 @@
           <a:p>
             <a:fld id="{C14F4D0B-68E4-4C14-BD4D-319F9BD213A3}" type="datetimeFigureOut">
               <a:rPr lang="ru-RU" smtClean="0"/>
-              <a:t>16.03.2018</a:t>
+              <a:t>17.03.2018</a:t>
             </a:fld>
             <a:endParaRPr lang="ru-RU"/>
           </a:p>
@@ -3456,7 +3255,7 @@
           <a:p>
             <a:fld id="{C14F4D0B-68E4-4C14-BD4D-319F9BD213A3}" type="datetimeFigureOut">
               <a:rPr lang="ru-RU" smtClean="0"/>
-              <a:t>16.03.2018</a:t>
+              <a:t>17.03.2018</a:t>
             </a:fld>
             <a:endParaRPr lang="ru-RU"/>
           </a:p>
@@ -3670,7 +3469,7 @@
           <a:p>
             <a:fld id="{C14F4D0B-68E4-4C14-BD4D-319F9BD213A3}" type="datetimeFigureOut">
               <a:rPr lang="ru-RU" smtClean="0"/>
-              <a:t>16.03.2018</a:t>
+              <a:t>17.03.2018</a:t>
             </a:fld>
             <a:endParaRPr lang="ru-RU"/>
           </a:p>
@@ -5824,7 +5623,7 @@
         <p:spPr>
           <a:xfrm>
             <a:off x="491506" y="135310"/>
-            <a:ext cx="8504712" cy="629326"/>
+            <a:ext cx="6672783" cy="629326"/>
           </a:xfrm>
           <a:prstGeom prst="rect">
             <a:avLst/>
@@ -5837,6 +5636,26 @@
           </a:bodyPr>
           <a:lstStyle/>
           <a:p>
+            <a:r>
+              <a:rPr lang="en-US" sz="3600" b="1" dirty="0" smtClean="0">
+                <a:solidFill>
+                  <a:srgbClr val="0064B5"/>
+                </a:solidFill>
+                <a:latin typeface="Arial" pitchFamily="34" charset="0"/>
+                <a:cs typeface="Arial" pitchFamily="34" charset="0"/>
+              </a:rPr>
+              <a:t>Data Science Day </a:t>
+            </a:r>
+            <a:r>
+              <a:rPr lang="en-US" sz="3600" b="1" dirty="0" smtClean="0">
+                <a:solidFill>
+                  <a:srgbClr val="0064B5"/>
+                </a:solidFill>
+                <a:latin typeface="Arial" pitchFamily="34" charset="0"/>
+                <a:cs typeface="Arial" pitchFamily="34" charset="0"/>
+              </a:rPr>
+              <a:t>5</a:t>
+            </a:r>
             <a:r>
               <a:rPr lang="ru-RU" sz="3600" b="1" dirty="0" smtClean="0">
                 <a:solidFill>
@@ -5845,7 +5664,7 @@
                 <a:latin typeface="Arial" pitchFamily="34" charset="0"/>
                 <a:cs typeface="Arial" pitchFamily="34" charset="0"/>
               </a:rPr>
-              <a:t>Одномерные статистические тесты</a:t>
+              <a:t> (ДЗ)</a:t>
             </a:r>
             <a:endParaRPr lang="ru-RU" sz="3600" b="1" dirty="0">
               <a:solidFill>
@@ -5859,378 +5678,14 @@
       </p:sp>
       <p:sp>
         <p:nvSpPr>
-          <p:cNvPr id="4" name="Прямоугольник 3"/>
-          <p:cNvSpPr/>
+          <p:cNvPr id="4" name="TextBox 3"/>
+          <p:cNvSpPr txBox="1"/>
           <p:nvPr/>
         </p:nvSpPr>
         <p:spPr>
           <a:xfrm>
-            <a:off x="174140" y="922063"/>
-            <a:ext cx="8649820" cy="4893647"/>
-          </a:xfrm>
-          <a:prstGeom prst="rect">
-            <a:avLst/>
-          </a:prstGeom>
-        </p:spPr>
-        <p:txBody>
-          <a:bodyPr wrap="square">
-            <a:spAutoFit/>
-          </a:bodyPr>
-          <a:lstStyle/>
-          <a:p>
-            <a:pPr marL="342900" indent="-342900">
-              <a:buAutoNum type="arabicParenR"/>
-            </a:pPr>
-            <a:r>
-              <a:rPr lang="ru-RU" sz="2400" dirty="0" smtClean="0"/>
-              <a:t>Тест Стьюдента характеристики мат. ожидания распределения:</a:t>
-            </a:r>
-          </a:p>
-          <a:p>
-            <a:r>
-              <a:rPr lang="ru-RU" sz="2400" dirty="0" smtClean="0"/>
-              <a:t>	</a:t>
-            </a:r>
-            <a:r>
-              <a:rPr lang="en-US" sz="2400" dirty="0" err="1" smtClean="0"/>
-              <a:t>t.test</a:t>
-            </a:r>
-            <a:r>
-              <a:rPr lang="en-US" sz="2400" dirty="0" smtClean="0"/>
-              <a:t>(salary</a:t>
-            </a:r>
-            <a:r>
-              <a:rPr lang="en-US" sz="2400" dirty="0"/>
-              <a:t>, mu=32</a:t>
-            </a:r>
-            <a:r>
-              <a:rPr lang="en-US" sz="2400" dirty="0" smtClean="0"/>
-              <a:t>)</a:t>
-            </a:r>
-            <a:endParaRPr lang="ru-RU" sz="2400" dirty="0" smtClean="0"/>
-          </a:p>
-          <a:p>
-            <a:r>
-              <a:rPr lang="ru-RU" sz="2400" dirty="0" smtClean="0"/>
-              <a:t>2) Тест </a:t>
-            </a:r>
-            <a:r>
-              <a:rPr lang="ru-RU" sz="2400" dirty="0" err="1" smtClean="0"/>
-              <a:t>Уилкоксона</a:t>
-            </a:r>
-            <a:r>
-              <a:rPr lang="ru-RU" sz="2400" dirty="0" smtClean="0"/>
-              <a:t> характеристики медианы распределения: </a:t>
-            </a:r>
-          </a:p>
-          <a:p>
-            <a:r>
-              <a:rPr lang="ru-RU" sz="2400" dirty="0" smtClean="0"/>
-              <a:t>	</a:t>
-            </a:r>
-            <a:r>
-              <a:rPr lang="en-US" sz="2400" dirty="0" err="1" smtClean="0"/>
-              <a:t>wilcox.test</a:t>
-            </a:r>
-            <a:r>
-              <a:rPr lang="en-US" sz="2400" dirty="0" smtClean="0"/>
-              <a:t>(salary2</a:t>
-            </a:r>
-            <a:r>
-              <a:rPr lang="en-US" sz="2400" dirty="0"/>
-              <a:t>, mu=median(salary2), </a:t>
-            </a:r>
-            <a:r>
-              <a:rPr lang="ru-RU" sz="2400" dirty="0" smtClean="0"/>
-              <a:t>			</a:t>
-            </a:r>
-            <a:r>
-              <a:rPr lang="en-US" sz="2400" dirty="0" smtClean="0"/>
-              <a:t>conf.int=TRUE)</a:t>
-            </a:r>
-            <a:endParaRPr lang="ru-RU" sz="2400" dirty="0" smtClean="0"/>
-          </a:p>
-          <a:p>
-            <a:pPr marL="342900" indent="-342900">
-              <a:buAutoNum type="arabicParenR" startAt="3"/>
-            </a:pPr>
-            <a:r>
-              <a:rPr lang="ru-RU" sz="2400" dirty="0" smtClean="0"/>
-              <a:t>Проверка распределения на нормальность:</a:t>
-            </a:r>
-          </a:p>
-          <a:p>
-            <a:r>
-              <a:rPr lang="en-US" sz="2400" dirty="0"/>
-              <a:t>	</a:t>
-            </a:r>
-            <a:r>
-              <a:rPr lang="en-US" sz="2400" dirty="0" smtClean="0"/>
-              <a:t>			</a:t>
-            </a:r>
-            <a:r>
-              <a:rPr lang="en-US" sz="2400" dirty="0" err="1" smtClean="0"/>
-              <a:t>shapiro.test</a:t>
-            </a:r>
-            <a:r>
-              <a:rPr lang="en-US" sz="2400" dirty="0" smtClean="0"/>
-              <a:t>(salary)</a:t>
-            </a:r>
-            <a:endParaRPr lang="ru-RU" sz="2400" dirty="0" smtClean="0"/>
-          </a:p>
-          <a:p>
-            <a:r>
-              <a:rPr lang="ru-RU" sz="2400" dirty="0" smtClean="0"/>
-              <a:t>	</a:t>
-            </a:r>
-            <a:r>
-              <a:rPr lang="en-US" sz="2400" dirty="0" smtClean="0"/>
-              <a:t>			</a:t>
-            </a:r>
-            <a:r>
-              <a:rPr lang="en-US" sz="2400" dirty="0" err="1" smtClean="0"/>
-              <a:t>qqnorm</a:t>
-            </a:r>
-            <a:r>
-              <a:rPr lang="en-US" sz="2400" dirty="0" smtClean="0"/>
-              <a:t>(salary2</a:t>
-            </a:r>
-            <a:r>
-              <a:rPr lang="en-US" sz="2400" dirty="0"/>
-              <a:t>); </a:t>
-            </a:r>
-            <a:r>
-              <a:rPr lang="en-US" sz="2400" dirty="0" err="1"/>
-              <a:t>qqline</a:t>
-            </a:r>
-            <a:r>
-              <a:rPr lang="en-US" sz="2400" dirty="0"/>
-              <a:t>(salary2, </a:t>
-            </a:r>
-            <a:r>
-              <a:rPr lang="en-US" sz="2400" dirty="0" smtClean="0"/>
-              <a:t>					col=2)</a:t>
-            </a:r>
-          </a:p>
-          <a:p>
-            <a:endParaRPr lang="en-US" sz="2400" dirty="0"/>
-          </a:p>
-          <a:p>
-            <a:r>
-              <a:rPr lang="en-US" sz="2400" dirty="0" smtClean="0"/>
-              <a:t>				</a:t>
-            </a:r>
-            <a:r>
-              <a:rPr lang="en-US" dirty="0"/>
-              <a:t> </a:t>
-            </a:r>
-            <a:r>
-              <a:rPr lang="en-US" sz="2400" dirty="0"/>
-              <a:t>library(</a:t>
-            </a:r>
-            <a:r>
-              <a:rPr lang="en-US" sz="2400" dirty="0" err="1"/>
-              <a:t>nortest</a:t>
-            </a:r>
-            <a:r>
-              <a:rPr lang="en-US" sz="2400" dirty="0"/>
-              <a:t>) </a:t>
-            </a:r>
-            <a:endParaRPr lang="en-US" sz="2400" dirty="0" smtClean="0"/>
-          </a:p>
-          <a:p>
-            <a:r>
-              <a:rPr lang="en-US" sz="2400" dirty="0"/>
-              <a:t>	</a:t>
-            </a:r>
-            <a:r>
-              <a:rPr lang="en-US" sz="2400" dirty="0" smtClean="0"/>
-              <a:t>			 </a:t>
-            </a:r>
-            <a:r>
-              <a:rPr lang="en-US" sz="2400" dirty="0" err="1" smtClean="0"/>
-              <a:t>ad.test</a:t>
-            </a:r>
-            <a:r>
-              <a:rPr lang="en-US" sz="2400" dirty="0" smtClean="0"/>
-              <a:t>(</a:t>
-            </a:r>
-            <a:r>
-              <a:rPr lang="en-US" sz="2400" dirty="0" err="1" smtClean="0"/>
-              <a:t>data$variable</a:t>
-            </a:r>
-            <a:r>
-              <a:rPr lang="en-US" sz="2400" dirty="0"/>
-              <a:t>)</a:t>
-            </a:r>
-            <a:endParaRPr lang="en-US" sz="2400" dirty="0"/>
-          </a:p>
-        </p:txBody>
-      </p:sp>
-      <p:pic>
-        <p:nvPicPr>
-          <p:cNvPr id="6" name="Рисунок 5"/>
-          <p:cNvPicPr>
-            <a:picLocks noChangeAspect="1"/>
-          </p:cNvPicPr>
-          <p:nvPr/>
-        </p:nvPicPr>
-        <p:blipFill>
-          <a:blip r:embed="rId3"/>
-          <a:stretch>
-            <a:fillRect/>
-          </a:stretch>
-        </p:blipFill>
-        <p:spPr>
-          <a:xfrm>
-            <a:off x="324312" y="3736257"/>
-            <a:ext cx="3523384" cy="2788804"/>
-          </a:xfrm>
-          <a:prstGeom prst="rect">
-            <a:avLst/>
-          </a:prstGeom>
-        </p:spPr>
-      </p:pic>
-    </p:spTree>
-    <p:extLst>
-      <p:ext uri="{BB962C8B-B14F-4D97-AF65-F5344CB8AC3E}">
-        <p14:creationId xmlns:p14="http://schemas.microsoft.com/office/powerpoint/2010/main" val="4069400614"/>
-      </p:ext>
-    </p:extLst>
-  </p:cSld>
-  <p:clrMapOvr>
-    <a:masterClrMapping/>
-  </p:clrMapOvr>
-  <p:timing>
-    <p:tnLst>
-      <p:par>
-        <p:cTn id="1" dur="indefinite" restart="never" nodeType="tmRoot"/>
-      </p:par>
-    </p:tnLst>
-  </p:timing>
-</p:sld>
-</file>
-
-<file path=ppt/slides/slide6.xml><?xml version="1.0" encoding="utf-8"?>
-<p:sld xmlns:a="http://schemas.openxmlformats.org/drawingml/2006/main" xmlns:r="http://schemas.openxmlformats.org/officeDocument/2006/relationships" xmlns:p="http://schemas.openxmlformats.org/presentationml/2006/main">
-  <p:cSld>
-    <p:spTree>
-      <p:nvGrpSpPr>
-        <p:cNvPr id="1" name=""/>
-        <p:cNvGrpSpPr/>
-        <p:nvPr/>
-      </p:nvGrpSpPr>
-      <p:grpSpPr>
-        <a:xfrm>
-          <a:off x="0" y="0"/>
-          <a:ext cx="0" cy="0"/>
-          <a:chOff x="0" y="0"/>
-          <a:chExt cx="0" cy="0"/>
-        </a:xfrm>
-      </p:grpSpPr>
-      <p:grpSp>
-        <p:nvGrpSpPr>
-          <p:cNvPr id="9" name="Группа 8"/>
-          <p:cNvGrpSpPr/>
-          <p:nvPr/>
-        </p:nvGrpSpPr>
-        <p:grpSpPr>
-          <a:xfrm>
-            <a:off x="240030" y="759941"/>
-            <a:ext cx="8583930" cy="83408"/>
-            <a:chOff x="240030" y="759941"/>
-            <a:chExt cx="8583930" cy="83408"/>
-          </a:xfrm>
-        </p:grpSpPr>
-        <p:cxnSp>
-          <p:nvCxnSpPr>
-            <p:cNvPr id="2" name="Прямая соединительная линия 1"/>
-            <p:cNvCxnSpPr/>
-            <p:nvPr/>
-          </p:nvCxnSpPr>
-          <p:spPr>
-            <a:xfrm>
-              <a:off x="560070" y="759941"/>
-              <a:ext cx="8263890" cy="0"/>
-            </a:xfrm>
-            <a:prstGeom prst="line">
-              <a:avLst/>
-            </a:prstGeom>
-            <a:ln w="76200" cap="flat" cmpd="sng" algn="ctr">
-              <a:solidFill>
-                <a:srgbClr val="0064B5"/>
-              </a:solidFill>
-              <a:prstDash val="solid"/>
-              <a:round/>
-              <a:headEnd type="none" w="med" len="sm"/>
-              <a:tailEnd type="none" w="med" len="sm"/>
-            </a:ln>
-          </p:spPr>
-          <p:style>
-            <a:lnRef idx="1">
-              <a:schemeClr val="accent1"/>
-            </a:lnRef>
-            <a:fillRef idx="0">
-              <a:schemeClr val="accent1"/>
-            </a:fillRef>
-            <a:effectRef idx="0">
-              <a:schemeClr val="accent1"/>
-            </a:effectRef>
-            <a:fontRef idx="minor">
-              <a:schemeClr val="tx1"/>
-            </a:fontRef>
-          </p:style>
-        </p:cxnSp>
-        <p:cxnSp>
-          <p:nvCxnSpPr>
-            <p:cNvPr id="3" name="Прямая соединительная линия 2"/>
-            <p:cNvCxnSpPr/>
-            <p:nvPr/>
-          </p:nvCxnSpPr>
-          <p:spPr>
-            <a:xfrm>
-              <a:off x="240030" y="843349"/>
-              <a:ext cx="8286750" cy="0"/>
-            </a:xfrm>
-            <a:prstGeom prst="line">
-              <a:avLst/>
-            </a:prstGeom>
-            <a:ln w="76200" cap="flat" cmpd="sng" algn="ctr">
-              <a:solidFill>
-                <a:srgbClr val="F5A200"/>
-              </a:solidFill>
-              <a:prstDash val="solid"/>
-              <a:round/>
-              <a:headEnd type="none" w="med" len="sm"/>
-              <a:tailEnd type="none" w="med" len="sm"/>
-            </a:ln>
-          </p:spPr>
-          <p:style>
-            <a:lnRef idx="1">
-              <a:schemeClr val="accent1"/>
-            </a:lnRef>
-            <a:fillRef idx="0">
-              <a:schemeClr val="accent1"/>
-            </a:fillRef>
-            <a:effectRef idx="0">
-              <a:schemeClr val="accent1"/>
-            </a:effectRef>
-            <a:fontRef idx="minor">
-              <a:schemeClr val="tx1"/>
-            </a:fontRef>
-          </p:style>
-        </p:cxnSp>
-      </p:grpSp>
-      <p:sp>
-        <p:nvSpPr>
-          <p:cNvPr id="5" name="TextBox 4"/>
-          <p:cNvSpPr txBox="1"/>
-          <p:nvPr/>
-        </p:nvSpPr>
-        <p:spPr>
-          <a:xfrm>
-            <a:off x="491506" y="135310"/>
-            <a:ext cx="6672783" cy="629326"/>
+            <a:off x="560070" y="1197429"/>
+            <a:ext cx="8068673" cy="4062651"/>
           </a:xfrm>
           <a:prstGeom prst="rect">
             <a:avLst/>
@@ -6238,479 +5693,47 @@
           <a:noFill/>
         </p:spPr>
         <p:txBody>
-          <a:bodyPr vert="horz" wrap="square" lIns="74600" tIns="37300" rIns="74600" bIns="37300" rtlCol="0">
+          <a:bodyPr wrap="square" rtlCol="0">
             <a:spAutoFit/>
           </a:bodyPr>
           <a:lstStyle/>
           <a:p>
             <a:r>
-              <a:rPr lang="ru-RU" sz="3600" b="1" dirty="0" smtClean="0">
-                <a:solidFill>
-                  <a:srgbClr val="0064B5"/>
-                </a:solidFill>
-                <a:latin typeface="Arial" pitchFamily="34" charset="0"/>
-                <a:cs typeface="Arial" pitchFamily="34" charset="0"/>
-              </a:rPr>
-              <a:t>Гипотезы на однородность</a:t>
-            </a:r>
-            <a:endParaRPr lang="ru-RU" sz="3600" b="1" dirty="0">
-              <a:solidFill>
-                <a:srgbClr val="0064B5"/>
-              </a:solidFill>
-              <a:latin typeface="Arial" pitchFamily="34" charset="0"/>
-              <a:cs typeface="Arial" pitchFamily="34" charset="0"/>
-            </a:endParaRPr>
-          </a:p>
-        </p:txBody>
-      </p:sp>
-      <p:sp>
-        <p:nvSpPr>
-          <p:cNvPr id="6" name="Прямоугольник 5"/>
-          <p:cNvSpPr/>
-          <p:nvPr/>
-        </p:nvSpPr>
-        <p:spPr>
-          <a:xfrm>
-            <a:off x="174140" y="922063"/>
-            <a:ext cx="8649820" cy="4154984"/>
-          </a:xfrm>
-          <a:prstGeom prst="rect">
-            <a:avLst/>
-          </a:prstGeom>
-        </p:spPr>
-        <p:txBody>
-          <a:bodyPr wrap="square">
-            <a:spAutoFit/>
-          </a:bodyPr>
-          <a:lstStyle/>
+              <a:rPr lang="ru-RU" sz="2000" b="1" dirty="0" smtClean="0"/>
+              <a:t>Задание</a:t>
+            </a:r>
+            <a:r>
+              <a:rPr lang="ru-RU" sz="2000" b="1" dirty="0" smtClean="0"/>
+              <a:t>: изучи</a:t>
+            </a:r>
+            <a:r>
+              <a:rPr lang="ru-RU" sz="2000" b="1" dirty="0"/>
+              <a:t>в</a:t>
+            </a:r>
+            <a:r>
+              <a:rPr lang="ru-RU" sz="2000" b="1" dirty="0" smtClean="0"/>
+              <a:t> данные в файле </a:t>
+            </a:r>
+            <a:r>
+              <a:rPr lang="en-US" sz="2000" b="1" dirty="0" smtClean="0"/>
+              <a:t>Data5.csv, </a:t>
+            </a:r>
+            <a:r>
+              <a:rPr lang="ru-RU" sz="2000" b="1" dirty="0" smtClean="0"/>
+              <a:t>необходимо выполнить выполнить:</a:t>
+            </a:r>
+          </a:p>
+          <a:p>
+            <a:endParaRPr lang="ru-RU" sz="2000" b="1" dirty="0" smtClean="0"/>
+          </a:p>
           <a:p>
             <a:pPr marL="342900" indent="-342900">
               <a:buAutoNum type="arabicParenR"/>
             </a:pPr>
             <a:r>
-              <a:rPr lang="ru-RU" sz="2400" dirty="0" smtClean="0"/>
-              <a:t>Тест равенства средних</a:t>
-            </a:r>
-            <a:r>
-              <a:rPr lang="en-US" sz="2400" dirty="0" smtClean="0"/>
-              <a:t> </a:t>
-            </a:r>
-            <a:r>
-              <a:rPr lang="ru-RU" sz="2400" dirty="0" smtClean="0"/>
-              <a:t>Пирсона:</a:t>
-            </a:r>
-          </a:p>
-          <a:p>
-            <a:r>
-              <a:rPr lang="ru-RU" sz="2400" dirty="0" smtClean="0"/>
-              <a:t>	</a:t>
-            </a:r>
-            <a:r>
-              <a:rPr lang="en-US" sz="2400" dirty="0" err="1" smtClean="0"/>
-              <a:t>t.test</a:t>
-            </a:r>
-            <a:r>
-              <a:rPr lang="en-US" sz="2400" dirty="0" smtClean="0"/>
-              <a:t>(par1, par2, </a:t>
-            </a:r>
-            <a:r>
-              <a:rPr lang="en-US" sz="2400" dirty="0" err="1" smtClean="0"/>
-              <a:t>var.equal</a:t>
-            </a:r>
-            <a:r>
-              <a:rPr lang="en-US" sz="2400" dirty="0" smtClean="0"/>
-              <a:t>= F)</a:t>
-            </a:r>
-            <a:r>
-              <a:rPr lang="ru-RU" sz="2400" dirty="0" smtClean="0"/>
-              <a:t> </a:t>
-            </a:r>
-            <a:r>
-              <a:rPr lang="en-US" sz="2400" dirty="0" smtClean="0"/>
-              <a:t>| </a:t>
-            </a:r>
-            <a:r>
-              <a:rPr lang="en-US" sz="2400" dirty="0" err="1"/>
-              <a:t>t.test</a:t>
-            </a:r>
-            <a:r>
-              <a:rPr lang="en-US" sz="2400" dirty="0"/>
-              <a:t>(par1, par2, </a:t>
-            </a:r>
-            <a:r>
-              <a:rPr lang="en-US" sz="2400" dirty="0" smtClean="0"/>
-              <a:t>paired =T)</a:t>
-            </a:r>
-            <a:r>
-              <a:rPr lang="ru-RU" sz="2400" dirty="0" smtClean="0"/>
-              <a:t> </a:t>
-            </a:r>
-          </a:p>
-          <a:p>
-            <a:r>
-              <a:rPr lang="ru-RU" sz="2400" dirty="0" smtClean="0"/>
-              <a:t>2) Критерий Фишера на равенство дисперсий: </a:t>
-            </a:r>
-          </a:p>
-          <a:p>
-            <a:r>
-              <a:rPr lang="ru-RU" sz="2400" dirty="0" smtClean="0"/>
-              <a:t>	</a:t>
-            </a:r>
-            <a:r>
-              <a:rPr lang="en-US" sz="2400" dirty="0"/>
-              <a:t> </a:t>
-            </a:r>
-            <a:r>
-              <a:rPr lang="en-US" sz="2400" dirty="0" err="1"/>
-              <a:t>var.test</a:t>
-            </a:r>
-            <a:r>
-              <a:rPr lang="en-US" sz="2400" dirty="0"/>
-              <a:t>(x, y) | </a:t>
-            </a:r>
-            <a:r>
-              <a:rPr lang="en-US" sz="2400" dirty="0" err="1"/>
-              <a:t>var.test</a:t>
-            </a:r>
-            <a:r>
-              <a:rPr lang="en-US" sz="2400" dirty="0"/>
-              <a:t>(x, y, ratio = 4)</a:t>
-            </a:r>
-            <a:endParaRPr lang="ru-RU" sz="2400" dirty="0" smtClean="0"/>
-          </a:p>
-          <a:p>
-            <a:r>
-              <a:rPr lang="ru-RU" sz="2400" dirty="0" smtClean="0"/>
-              <a:t>3) Непараметрический тест сравнения средних </a:t>
-            </a:r>
-            <a:r>
-              <a:rPr lang="ru-RU" sz="2400" dirty="0" err="1" smtClean="0"/>
-              <a:t>Уилкоксона</a:t>
-            </a:r>
-            <a:endParaRPr lang="ru-RU" sz="2400" dirty="0" smtClean="0"/>
-          </a:p>
-          <a:p>
-            <a:r>
-              <a:rPr lang="ru-RU" sz="2400" dirty="0" smtClean="0"/>
-              <a:t>	</a:t>
-            </a:r>
-            <a:r>
-              <a:rPr lang="en-US" sz="2400" dirty="0"/>
-              <a:t> </a:t>
-            </a:r>
-            <a:r>
-              <a:rPr lang="en-US" sz="2400" dirty="0" err="1"/>
-              <a:t>wilcox.test</a:t>
-            </a:r>
-            <a:r>
-              <a:rPr lang="en-US" sz="2400" dirty="0"/>
-              <a:t>(x, </a:t>
-            </a:r>
-            <a:r>
-              <a:rPr lang="en-US" sz="2400" dirty="0" smtClean="0"/>
-              <a:t>y)</a:t>
-            </a:r>
-            <a:r>
-              <a:rPr lang="ru-RU" sz="2400" dirty="0" smtClean="0"/>
-              <a:t> </a:t>
-            </a:r>
-            <a:r>
-              <a:rPr lang="en-US" sz="2400" dirty="0"/>
-              <a:t>| </a:t>
-            </a:r>
-            <a:r>
-              <a:rPr lang="en-US" sz="2400" dirty="0" err="1"/>
-              <a:t>wilcox.test</a:t>
-            </a:r>
-            <a:r>
-              <a:rPr lang="en-US" sz="2400" dirty="0"/>
-              <a:t>(x, y, mu = -2</a:t>
-            </a:r>
-            <a:r>
-              <a:rPr lang="en-US" sz="2400" dirty="0" smtClean="0"/>
-              <a:t>)</a:t>
-            </a:r>
-            <a:endParaRPr lang="ru-RU" sz="2400" dirty="0"/>
-          </a:p>
-          <a:p>
-            <a:r>
-              <a:rPr lang="ru-RU" sz="2400" dirty="0" smtClean="0"/>
-              <a:t>4) </a:t>
-            </a:r>
-            <a:r>
-              <a:rPr lang="ru-RU" sz="2400" dirty="0"/>
-              <a:t>Непараметрический тест сравнения </a:t>
-            </a:r>
-            <a:r>
-              <a:rPr lang="ru-RU" sz="2400" dirty="0" smtClean="0"/>
-              <a:t>масштабов </a:t>
-            </a:r>
-            <a:r>
-              <a:rPr lang="ru-RU" sz="2400" dirty="0" err="1" smtClean="0"/>
-              <a:t>Ансари</a:t>
-            </a:r>
-            <a:r>
-              <a:rPr lang="ru-RU" sz="2400" dirty="0" smtClean="0"/>
-              <a:t>-Брэдли</a:t>
-            </a:r>
-          </a:p>
-          <a:p>
-            <a:r>
-              <a:rPr lang="ru-RU" sz="2400" dirty="0"/>
-              <a:t>	</a:t>
-            </a:r>
-            <a:r>
-              <a:rPr lang="en-US" sz="2400" dirty="0"/>
-              <a:t> </a:t>
-            </a:r>
-            <a:r>
-              <a:rPr lang="en-US" sz="2400" dirty="0" err="1" smtClean="0"/>
-              <a:t>ansari.test</a:t>
-            </a:r>
-            <a:r>
-              <a:rPr lang="en-US" sz="2400" dirty="0" smtClean="0"/>
-              <a:t>(x, y) | </a:t>
-            </a:r>
-            <a:r>
-              <a:rPr lang="en-US" sz="2400" dirty="0" err="1"/>
-              <a:t>ansari.test</a:t>
-            </a:r>
-            <a:r>
-              <a:rPr lang="en-US" sz="2400" dirty="0"/>
-              <a:t>(x, </a:t>
-            </a:r>
-            <a:r>
-              <a:rPr lang="en-US" sz="2400" dirty="0" smtClean="0"/>
-              <a:t>y, max=2)</a:t>
-            </a:r>
-            <a:endParaRPr lang="ru-RU" sz="2400" dirty="0" smtClean="0"/>
-          </a:p>
-          <a:p>
-            <a:endParaRPr lang="ru-RU" sz="2400" dirty="0" smtClean="0"/>
-          </a:p>
-          <a:p>
-            <a:endParaRPr lang="en-US" sz="2400" dirty="0"/>
-          </a:p>
-        </p:txBody>
-      </p:sp>
-    </p:spTree>
-    <p:extLst>
-      <p:ext uri="{BB962C8B-B14F-4D97-AF65-F5344CB8AC3E}">
-        <p14:creationId xmlns:p14="http://schemas.microsoft.com/office/powerpoint/2010/main" val="238961704"/>
-      </p:ext>
-    </p:extLst>
-  </p:cSld>
-  <p:clrMapOvr>
-    <a:masterClrMapping/>
-  </p:clrMapOvr>
-  <p:timing>
-    <p:tnLst>
-      <p:par>
-        <p:cTn id="1" dur="indefinite" restart="never" nodeType="tmRoot"/>
-      </p:par>
-    </p:tnLst>
-  </p:timing>
-</p:sld>
-</file>
-
-<file path=ppt/slides/slide7.xml><?xml version="1.0" encoding="utf-8"?>
-<p:sld xmlns:a="http://schemas.openxmlformats.org/drawingml/2006/main" xmlns:r="http://schemas.openxmlformats.org/officeDocument/2006/relationships" xmlns:p="http://schemas.openxmlformats.org/presentationml/2006/main">
-  <p:cSld>
-    <p:spTree>
-      <p:nvGrpSpPr>
-        <p:cNvPr id="1" name=""/>
-        <p:cNvGrpSpPr/>
-        <p:nvPr/>
-      </p:nvGrpSpPr>
-      <p:grpSpPr>
-        <a:xfrm>
-          <a:off x="0" y="0"/>
-          <a:ext cx="0" cy="0"/>
-          <a:chOff x="0" y="0"/>
-          <a:chExt cx="0" cy="0"/>
-        </a:xfrm>
-      </p:grpSpPr>
-      <p:grpSp>
-        <p:nvGrpSpPr>
-          <p:cNvPr id="9" name="Группа 8"/>
-          <p:cNvGrpSpPr/>
-          <p:nvPr/>
-        </p:nvGrpSpPr>
-        <p:grpSpPr>
-          <a:xfrm>
-            <a:off x="240030" y="759941"/>
-            <a:ext cx="8583930" cy="83408"/>
-            <a:chOff x="240030" y="759941"/>
-            <a:chExt cx="8583930" cy="83408"/>
-          </a:xfrm>
-        </p:grpSpPr>
-        <p:cxnSp>
-          <p:nvCxnSpPr>
-            <p:cNvPr id="2" name="Прямая соединительная линия 1"/>
-            <p:cNvCxnSpPr/>
-            <p:nvPr/>
-          </p:nvCxnSpPr>
-          <p:spPr>
-            <a:xfrm>
-              <a:off x="560070" y="759941"/>
-              <a:ext cx="8263890" cy="0"/>
-            </a:xfrm>
-            <a:prstGeom prst="line">
-              <a:avLst/>
-            </a:prstGeom>
-            <a:ln w="76200" cap="flat" cmpd="sng" algn="ctr">
-              <a:solidFill>
-                <a:srgbClr val="0064B5"/>
-              </a:solidFill>
-              <a:prstDash val="solid"/>
-              <a:round/>
-              <a:headEnd type="none" w="med" len="sm"/>
-              <a:tailEnd type="none" w="med" len="sm"/>
-            </a:ln>
-          </p:spPr>
-          <p:style>
-            <a:lnRef idx="1">
-              <a:schemeClr val="accent1"/>
-            </a:lnRef>
-            <a:fillRef idx="0">
-              <a:schemeClr val="accent1"/>
-            </a:fillRef>
-            <a:effectRef idx="0">
-              <a:schemeClr val="accent1"/>
-            </a:effectRef>
-            <a:fontRef idx="minor">
-              <a:schemeClr val="tx1"/>
-            </a:fontRef>
-          </p:style>
-        </p:cxnSp>
-        <p:cxnSp>
-          <p:nvCxnSpPr>
-            <p:cNvPr id="3" name="Прямая соединительная линия 2"/>
-            <p:cNvCxnSpPr/>
-            <p:nvPr/>
-          </p:nvCxnSpPr>
-          <p:spPr>
-            <a:xfrm>
-              <a:off x="240030" y="843349"/>
-              <a:ext cx="8286750" cy="0"/>
-            </a:xfrm>
-            <a:prstGeom prst="line">
-              <a:avLst/>
-            </a:prstGeom>
-            <a:ln w="76200" cap="flat" cmpd="sng" algn="ctr">
-              <a:solidFill>
-                <a:srgbClr val="F5A200"/>
-              </a:solidFill>
-              <a:prstDash val="solid"/>
-              <a:round/>
-              <a:headEnd type="none" w="med" len="sm"/>
-              <a:tailEnd type="none" w="med" len="sm"/>
-            </a:ln>
-          </p:spPr>
-          <p:style>
-            <a:lnRef idx="1">
-              <a:schemeClr val="accent1"/>
-            </a:lnRef>
-            <a:fillRef idx="0">
-              <a:schemeClr val="accent1"/>
-            </a:fillRef>
-            <a:effectRef idx="0">
-              <a:schemeClr val="accent1"/>
-            </a:effectRef>
-            <a:fontRef idx="minor">
-              <a:schemeClr val="tx1"/>
-            </a:fontRef>
-          </p:style>
-        </p:cxnSp>
-      </p:grpSp>
-      <p:sp>
-        <p:nvSpPr>
-          <p:cNvPr id="5" name="TextBox 4"/>
-          <p:cNvSpPr txBox="1"/>
-          <p:nvPr/>
-        </p:nvSpPr>
-        <p:spPr>
-          <a:xfrm>
-            <a:off x="491506" y="135310"/>
-            <a:ext cx="6672783" cy="629326"/>
-          </a:xfrm>
-          <a:prstGeom prst="rect">
-            <a:avLst/>
-          </a:prstGeom>
-          <a:noFill/>
-        </p:spPr>
-        <p:txBody>
-          <a:bodyPr vert="horz" wrap="square" lIns="74600" tIns="37300" rIns="74600" bIns="37300" rtlCol="0">
-            <a:spAutoFit/>
-          </a:bodyPr>
-          <a:lstStyle/>
-          <a:p>
-            <a:r>
-              <a:rPr lang="en-US" sz="3600" b="1" dirty="0" smtClean="0">
-                <a:solidFill>
-                  <a:srgbClr val="0064B5"/>
-                </a:solidFill>
-                <a:latin typeface="Arial" pitchFamily="34" charset="0"/>
-                <a:cs typeface="Arial" pitchFamily="34" charset="0"/>
-              </a:rPr>
-              <a:t>Data Science Day 5</a:t>
-            </a:r>
-            <a:endParaRPr lang="ru-RU" sz="3600" b="1" dirty="0">
-              <a:solidFill>
-                <a:srgbClr val="0064B5"/>
-              </a:solidFill>
-              <a:latin typeface="Arial" pitchFamily="34" charset="0"/>
-              <a:cs typeface="Arial" pitchFamily="34" charset="0"/>
-            </a:endParaRPr>
-          </a:p>
-        </p:txBody>
-      </p:sp>
-      <p:sp>
-        <p:nvSpPr>
-          <p:cNvPr id="4" name="TextBox 3"/>
-          <p:cNvSpPr txBox="1"/>
-          <p:nvPr/>
-        </p:nvSpPr>
-        <p:spPr>
-          <a:xfrm>
-            <a:off x="560070" y="1197429"/>
-            <a:ext cx="8068673" cy="4616648"/>
-          </a:xfrm>
-          <a:prstGeom prst="rect">
-            <a:avLst/>
-          </a:prstGeom>
-          <a:noFill/>
-        </p:spPr>
-        <p:txBody>
-          <a:bodyPr wrap="square" rtlCol="0">
-            <a:spAutoFit/>
-          </a:bodyPr>
-          <a:lstStyle/>
-          <a:p>
-            <a:r>
-              <a:rPr lang="ru-RU" sz="2000" b="1" dirty="0" smtClean="0"/>
-              <a:t>Задание: изучи</a:t>
-            </a:r>
-            <a:r>
-              <a:rPr lang="ru-RU" sz="2000" b="1" dirty="0"/>
-              <a:t>в</a:t>
-            </a:r>
-            <a:r>
-              <a:rPr lang="ru-RU" sz="2000" b="1" dirty="0" smtClean="0"/>
-              <a:t> данные в файле </a:t>
-            </a:r>
-            <a:r>
-              <a:rPr lang="en-US" sz="2000" b="1" dirty="0" smtClean="0"/>
-              <a:t>Data5.csv, </a:t>
-            </a:r>
-            <a:r>
-              <a:rPr lang="ru-RU" sz="2000" b="1" dirty="0" smtClean="0"/>
-              <a:t>необходимо выполнить выполнить:</a:t>
-            </a:r>
-          </a:p>
-          <a:p>
-            <a:endParaRPr lang="ru-RU" sz="2000" b="1" dirty="0" smtClean="0"/>
+              <a:rPr lang="ru-RU" dirty="0" smtClean="0"/>
+              <a:t>Доделать задания слайда 1;</a:t>
+            </a:r>
           </a:p>
           <a:p>
             <a:pPr marL="342900" indent="-342900">
@@ -6718,7 +5741,19 @@
             </a:pPr>
             <a:r>
               <a:rPr lang="ru-RU" dirty="0" smtClean="0"/>
-              <a:t>Построить графики рассеивания в </a:t>
+              <a:t>Построить попарно графики рассеивания</a:t>
+            </a:r>
+            <a:r>
+              <a:rPr lang="en-US" dirty="0" smtClean="0"/>
+              <a:t> </a:t>
+            </a:r>
+            <a:r>
+              <a:rPr lang="ru-RU" dirty="0" smtClean="0"/>
+              <a:t>всех параметров и оформить их </a:t>
+            </a:r>
+            <a:r>
+              <a:rPr lang="ru-RU" dirty="0" smtClean="0"/>
+              <a:t>в </a:t>
             </a:r>
             <a:r>
               <a:rPr lang="en-US" dirty="0" smtClean="0"/>
@@ -6735,7 +5770,11 @@
             </a:pPr>
             <a:r>
               <a:rPr lang="ru-RU" dirty="0" smtClean="0"/>
-              <a:t>Отобразить корреляционную матрицу;</a:t>
+              <a:t>Отобразить корреляционную матрицу</a:t>
+            </a:r>
+            <a:r>
+              <a:rPr lang="ru-RU" dirty="0" smtClean="0"/>
+              <a:t>;</a:t>
             </a:r>
           </a:p>
           <a:p>
@@ -6744,43 +5783,39 @@
             </a:pPr>
             <a:r>
               <a:rPr lang="ru-RU" dirty="0" smtClean="0"/>
-              <a:t>Указать, есть ли параметры, которые распределены по нормальному закону;</a:t>
-            </a:r>
-          </a:p>
-          <a:p>
-            <a:pPr marL="342900" indent="-342900">
-              <a:buAutoNum type="arabicParenR"/>
-            </a:pPr>
+              <a:t> Подобрать </a:t>
+            </a:r>
             <a:r>
               <a:rPr lang="ru-RU" dirty="0" smtClean="0"/>
-              <a:t>Проверить средние и медианы на значимость;</a:t>
-            </a:r>
-          </a:p>
-          <a:p>
-            <a:pPr marL="342900" indent="-342900">
-              <a:buAutoNum type="arabicParenR"/>
-            </a:pPr>
+              <a:t>наиболее подходящие функции регрессии </a:t>
+            </a:r>
             <a:r>
               <a:rPr lang="ru-RU" dirty="0" smtClean="0"/>
-              <a:t>Подобрать наиболее подходящие функции регрессии (ВВП к СО2 на душу населения, ВВП к плотности населения);</a:t>
-            </a:r>
-          </a:p>
-          <a:p>
-            <a:pPr marL="342900" indent="-342900">
-              <a:buAutoNum type="arabicParenR"/>
-            </a:pPr>
+              <a:t>(</a:t>
+            </a:r>
+            <a:r>
+              <a:rPr lang="en-US" dirty="0" smtClean="0"/>
+              <a:t>GDP per capita</a:t>
+            </a:r>
             <a:r>
               <a:rPr lang="ru-RU" dirty="0" smtClean="0"/>
-              <a:t>Проверить похожесть распределений плотностей стран и ВВП;</a:t>
-            </a:r>
-          </a:p>
-          <a:p>
-            <a:pPr marL="342900" indent="-342900">
-              <a:buAutoNum type="arabicParenR"/>
-            </a:pPr>
+              <a:t> </a:t>
+            </a:r>
             <a:r>
               <a:rPr lang="ru-RU" dirty="0" smtClean="0"/>
-              <a:t>Сказать, в каком регионе распределение выбросов СО2 наиболее близко к нормальному.</a:t>
+              <a:t>к СО2 на душу населения, </a:t>
+            </a:r>
+            <a:r>
+              <a:rPr lang="en-US" dirty="0"/>
+              <a:t>GDP per capita</a:t>
+            </a:r>
+            <a:r>
+              <a:rPr lang="ru-RU" dirty="0" smtClean="0"/>
+              <a:t> </a:t>
+            </a:r>
+            <a:r>
+              <a:rPr lang="ru-RU" dirty="0" smtClean="0"/>
+              <a:t>к плотности населения);</a:t>
             </a:r>
           </a:p>
           <a:p>
@@ -6799,6 +5834,18 @@
             <a:endParaRPr lang="ru-RU" dirty="0" smtClean="0"/>
           </a:p>
           <a:p>
+            <a:r>
+              <a:rPr lang="ru-RU" dirty="0" smtClean="0"/>
+              <a:t>Оформить результаты выполнения заданий на сладе 1 и ДЗ в виде отчета </a:t>
+            </a:r>
+            <a:r>
+              <a:rPr lang="en-US" dirty="0" err="1" smtClean="0"/>
+              <a:t>MarkDown</a:t>
+            </a:r>
+            <a:r>
+              <a:rPr lang="en-US" dirty="0" smtClean="0"/>
+              <a:t>.</a:t>
+            </a:r>
             <a:endParaRPr lang="ru-RU" dirty="0" smtClean="0"/>
           </a:p>
         </p:txBody>
